--- a/doc/pbl_met description.pptx
+++ b/doc/pbl_met description.pptx
@@ -7,6 +7,7 @@
   <p:sldIdLst>
     <p:sldId id="256" r:id="rId2"/>
     <p:sldId id="257" r:id="rId3"/>
+    <p:sldId id="258" r:id="rId4"/>
   </p:sldIdLst>
   <p:sldSz cx="12192000" cy="6858000"/>
   <p:notesSz cx="6858000" cy="9144000"/>
@@ -6179,7 +6180,7 @@
               <a:t> data </a:t>
             </a:r>
             <a:r>
-              <a:rPr lang="it-IT" smtClean="0"/>
+              <a:rPr lang="it-IT" dirty="0" err="1" smtClean="0"/>
               <a:t>validation</a:t>
             </a:r>
             <a:endParaRPr lang="it-IT" dirty="0"/>
@@ -6190,6 +6191,296 @@
     <p:extLst>
       <p:ext uri="{BB962C8B-B14F-4D97-AF65-F5344CB8AC3E}">
         <p14:creationId xmlns:p14="http://schemas.microsoft.com/office/powerpoint/2010/main" val="231551129"/>
+      </p:ext>
+    </p:extLst>
+  </p:cSld>
+  <p:clrMapOvr>
+    <a:masterClrMapping/>
+  </p:clrMapOvr>
+</p:sld>
+</file>
+
+<file path=ppt/slides/slide3.xml><?xml version="1.0" encoding="utf-8"?>
+<p:sld xmlns:a="http://schemas.openxmlformats.org/drawingml/2006/main" xmlns:r="http://schemas.openxmlformats.org/officeDocument/2006/relationships" xmlns:p="http://schemas.openxmlformats.org/presentationml/2006/main">
+  <p:cSld>
+    <p:spTree>
+      <p:nvGrpSpPr>
+        <p:cNvPr id="1" name=""/>
+        <p:cNvGrpSpPr/>
+        <p:nvPr/>
+      </p:nvGrpSpPr>
+      <p:grpSpPr>
+        <a:xfrm>
+          <a:off x="0" y="0"/>
+          <a:ext cx="0" cy="0"/>
+          <a:chOff x="0" y="0"/>
+          <a:chExt cx="0" cy="0"/>
+        </a:xfrm>
+      </p:grpSpPr>
+      <p:sp>
+        <p:nvSpPr>
+          <p:cNvPr id="2" name="Title 1"/>
+          <p:cNvSpPr>
+            <a:spLocks noGrp="1"/>
+          </p:cNvSpPr>
+          <p:nvPr>
+            <p:ph type="title"/>
+          </p:nvPr>
+        </p:nvSpPr>
+        <p:spPr/>
+        <p:txBody>
+          <a:bodyPr/>
+          <a:lstStyle/>
+          <a:p>
+            <a:r>
+              <a:rPr lang="it-IT" dirty="0" smtClean="0"/>
+              <a:t>Pbl_met </a:t>
+            </a:r>
+            <a:r>
+              <a:rPr lang="it-IT" dirty="0" err="1" smtClean="0"/>
+              <a:t>Modules</a:t>
+            </a:r>
+            <a:endParaRPr lang="it-IT" dirty="0"/>
+          </a:p>
+        </p:txBody>
+      </p:sp>
+      <p:sp>
+        <p:nvSpPr>
+          <p:cNvPr id="3" name="Content Placeholder 2"/>
+          <p:cNvSpPr>
+            <a:spLocks noGrp="1"/>
+          </p:cNvSpPr>
+          <p:nvPr>
+            <p:ph idx="1"/>
+          </p:nvPr>
+        </p:nvSpPr>
+        <p:spPr/>
+        <p:txBody>
+          <a:bodyPr/>
+          <a:lstStyle/>
+          <a:p>
+            <a:r>
+              <a:rPr lang="it-IT" dirty="0" smtClean="0"/>
+              <a:t>pbl_base.f90 – Common </a:t>
+            </a:r>
+            <a:r>
+              <a:rPr lang="it-IT" dirty="0" err="1" smtClean="0"/>
+              <a:t>conventions</a:t>
+            </a:r>
+            <a:endParaRPr lang="it-IT" dirty="0" smtClean="0"/>
+          </a:p>
+          <a:p>
+            <a:r>
+              <a:rPr lang="it-IT" dirty="0" smtClean="0"/>
+              <a:t>pbl_time.f90 – Date-and-</a:t>
+            </a:r>
+            <a:r>
+              <a:rPr lang="it-IT" dirty="0" err="1" smtClean="0"/>
+              <a:t>times</a:t>
+            </a:r>
+            <a:r>
+              <a:rPr lang="it-IT" dirty="0" smtClean="0"/>
+              <a:t>; </a:t>
+            </a:r>
+            <a:r>
+              <a:rPr lang="it-IT" dirty="0" err="1" smtClean="0"/>
+              <a:t>Astronomy</a:t>
+            </a:r>
+            <a:endParaRPr lang="it-IT" dirty="0" smtClean="0"/>
+          </a:p>
+          <a:p>
+            <a:r>
+              <a:rPr lang="it-IT" dirty="0" smtClean="0"/>
+              <a:t>pbl_stat.f90 – Basic </a:t>
+            </a:r>
+            <a:r>
+              <a:rPr lang="it-IT" dirty="0" err="1" smtClean="0"/>
+              <a:t>statistics</a:t>
+            </a:r>
+            <a:r>
+              <a:rPr lang="it-IT" dirty="0" smtClean="0"/>
+              <a:t>; Time </a:t>
+            </a:r>
+            <a:r>
+              <a:rPr lang="it-IT" dirty="0" err="1" smtClean="0"/>
+              <a:t>series</a:t>
+            </a:r>
+            <a:endParaRPr lang="it-IT" dirty="0" smtClean="0"/>
+          </a:p>
+          <a:p>
+            <a:r>
+              <a:rPr lang="it-IT" dirty="0" smtClean="0"/>
+              <a:t>pbl_thermo.f90 – </a:t>
+            </a:r>
+            <a:r>
+              <a:rPr lang="it-IT" dirty="0" err="1" smtClean="0"/>
+              <a:t>Thermodynamics</a:t>
+            </a:r>
+            <a:r>
+              <a:rPr lang="it-IT" dirty="0" smtClean="0"/>
+              <a:t>; </a:t>
+            </a:r>
+            <a:r>
+              <a:rPr lang="it-IT" dirty="0" err="1" smtClean="0"/>
+              <a:t>Psychrometry</a:t>
+            </a:r>
+            <a:r>
+              <a:rPr lang="it-IT" dirty="0" smtClean="0"/>
+              <a:t>; </a:t>
+            </a:r>
+            <a:r>
+              <a:rPr lang="it-IT" dirty="0" err="1" smtClean="0"/>
+              <a:t>Radiation</a:t>
+            </a:r>
+            <a:r>
+              <a:rPr lang="it-IT" dirty="0" smtClean="0"/>
+              <a:t> </a:t>
+            </a:r>
+            <a:r>
+              <a:rPr lang="it-IT" dirty="0" err="1" smtClean="0"/>
+              <a:t>models</a:t>
+            </a:r>
+            <a:endParaRPr lang="it-IT" dirty="0" smtClean="0"/>
+          </a:p>
+          <a:p>
+            <a:r>
+              <a:rPr lang="it-IT" dirty="0" smtClean="0"/>
+              <a:t>pbl_evtrn.f90 – </a:t>
+            </a:r>
+            <a:r>
+              <a:rPr lang="it-IT" dirty="0" err="1" smtClean="0"/>
+              <a:t>Evapotranspiration</a:t>
+            </a:r>
+            <a:r>
+              <a:rPr lang="it-IT" dirty="0" smtClean="0"/>
+              <a:t> (</a:t>
+            </a:r>
+            <a:r>
+              <a:rPr lang="it-IT" dirty="0" err="1" smtClean="0"/>
+              <a:t>Penman-Monteith</a:t>
+            </a:r>
+            <a:r>
+              <a:rPr lang="it-IT" dirty="0" smtClean="0"/>
+              <a:t>, ASCE </a:t>
+            </a:r>
+            <a:r>
+              <a:rPr lang="it-IT" dirty="0" err="1" smtClean="0"/>
+              <a:t>ref</a:t>
+            </a:r>
+            <a:r>
+              <a:rPr lang="it-IT" dirty="0" smtClean="0"/>
+              <a:t> </a:t>
+            </a:r>
+            <a:r>
+              <a:rPr lang="it-IT" dirty="0" err="1" smtClean="0"/>
+              <a:t>eq</a:t>
+            </a:r>
+            <a:r>
+              <a:rPr lang="it-IT" dirty="0" smtClean="0"/>
+              <a:t>)</a:t>
+            </a:r>
+          </a:p>
+          <a:p>
+            <a:r>
+              <a:rPr lang="it-IT" dirty="0" smtClean="0"/>
+              <a:t>pbl_wind.f90 – </a:t>
+            </a:r>
+            <a:r>
+              <a:rPr lang="it-IT" dirty="0" err="1" smtClean="0"/>
+              <a:t>Anemology</a:t>
+            </a:r>
+            <a:r>
+              <a:rPr lang="it-IT" dirty="0" smtClean="0"/>
+              <a:t>; Basic eddy covariance</a:t>
+            </a:r>
+          </a:p>
+          <a:p>
+            <a:r>
+              <a:rPr lang="it-IT" dirty="0" smtClean="0"/>
+              <a:t>pbl_simil.f90 – </a:t>
+            </a:r>
+            <a:r>
+              <a:rPr lang="it-IT" dirty="0" err="1" smtClean="0"/>
+              <a:t>Monin-Obukhov</a:t>
+            </a:r>
+            <a:r>
+              <a:rPr lang="it-IT" dirty="0" smtClean="0"/>
+              <a:t> </a:t>
+            </a:r>
+            <a:r>
+              <a:rPr lang="it-IT" dirty="0" err="1" smtClean="0"/>
+              <a:t>similarity</a:t>
+            </a:r>
+            <a:endParaRPr lang="it-IT" dirty="0" smtClean="0"/>
+          </a:p>
+          <a:p>
+            <a:r>
+              <a:rPr lang="it-IT" dirty="0" smtClean="0"/>
+              <a:t>pbl_depth.f90 – Mixing </a:t>
+            </a:r>
+            <a:r>
+              <a:rPr lang="it-IT" dirty="0" err="1" smtClean="0"/>
+              <a:t>height</a:t>
+            </a:r>
+            <a:r>
+              <a:rPr lang="it-IT" dirty="0" smtClean="0"/>
+              <a:t>; </a:t>
+            </a:r>
+            <a:r>
+              <a:rPr lang="it-IT" dirty="0" err="1" smtClean="0"/>
+              <a:t>Dispersion</a:t>
+            </a:r>
+            <a:r>
+              <a:rPr lang="it-IT" dirty="0" smtClean="0"/>
+              <a:t> </a:t>
+            </a:r>
+            <a:r>
+              <a:rPr lang="it-IT" dirty="0" err="1" smtClean="0"/>
+              <a:t>indicators</a:t>
+            </a:r>
+            <a:endParaRPr lang="it-IT" dirty="0" smtClean="0"/>
+          </a:p>
+          <a:p>
+            <a:r>
+              <a:rPr lang="it-IT" dirty="0" smtClean="0"/>
+              <a:t>pbl_met.f90 – </a:t>
+            </a:r>
+            <a:r>
+              <a:rPr lang="it-IT" dirty="0" err="1" smtClean="0"/>
+              <a:t>Module</a:t>
+            </a:r>
+            <a:r>
+              <a:rPr lang="it-IT" dirty="0" smtClean="0"/>
+              <a:t> </a:t>
+            </a:r>
+            <a:r>
+              <a:rPr lang="it-IT" dirty="0" err="1" smtClean="0"/>
+              <a:t>collector</a:t>
+            </a:r>
+            <a:r>
+              <a:rPr lang="it-IT" dirty="0" smtClean="0"/>
+              <a:t>; Single </a:t>
+            </a:r>
+            <a:r>
+              <a:rPr lang="it-IT" dirty="0" err="1" smtClean="0"/>
+              <a:t>interface</a:t>
+            </a:r>
+            <a:r>
+              <a:rPr lang="it-IT" dirty="0" smtClean="0"/>
+              <a:t> </a:t>
+            </a:r>
+            <a:r>
+              <a:rPr lang="it-IT" dirty="0" err="1" smtClean="0"/>
+              <a:t>point</a:t>
+            </a:r>
+            <a:endParaRPr lang="it-IT" dirty="0"/>
+          </a:p>
+        </p:txBody>
+      </p:sp>
+    </p:spTree>
+    <p:extLst>
+      <p:ext uri="{BB962C8B-B14F-4D97-AF65-F5344CB8AC3E}">
+        <p14:creationId xmlns:p14="http://schemas.microsoft.com/office/powerpoint/2010/main" val="1155398387"/>
       </p:ext>
     </p:extLst>
   </p:cSld>

--- a/doc/pbl_met description.pptx
+++ b/doc/pbl_met description.pptx
@@ -8,6 +8,7 @@
     <p:sldId id="256" r:id="rId2"/>
     <p:sldId id="257" r:id="rId3"/>
     <p:sldId id="258" r:id="rId4"/>
+    <p:sldId id="259" r:id="rId5"/>
   </p:sldIdLst>
   <p:sldSz cx="12192000" cy="6858000"/>
   <p:notesSz cx="6858000" cy="9144000"/>
@@ -6280,13 +6281,16 @@
             </a:r>
             <a:r>
               <a:rPr lang="it-IT" dirty="0" smtClean="0"/>
-              <a:t>; </a:t>
+              <a:t>; Basic </a:t>
             </a:r>
             <a:r>
               <a:rPr lang="it-IT" dirty="0" err="1" smtClean="0"/>
-              <a:t>Astronomy</a:t>
-            </a:r>
-            <a:endParaRPr lang="it-IT" dirty="0" smtClean="0"/>
+              <a:t>astronomy</a:t>
+            </a:r>
+            <a:r>
+              <a:rPr lang="it-IT" dirty="0" smtClean="0"/>
+              <a:t> (solar)</a:t>
+            </a:r>
           </a:p>
           <a:p>
             <a:r>
@@ -6361,7 +6365,7 @@
             </a:r>
             <a:r>
               <a:rPr lang="it-IT" dirty="0" smtClean="0"/>
-              <a:t>, ASCE </a:t>
+              <a:t> ASCE </a:t>
             </a:r>
             <a:r>
               <a:rPr lang="it-IT" dirty="0" err="1" smtClean="0"/>
@@ -6373,7 +6377,7 @@
             </a:r>
             <a:r>
               <a:rPr lang="it-IT" dirty="0" err="1" smtClean="0"/>
-              <a:t>eq</a:t>
+              <a:t>equation</a:t>
             </a:r>
             <a:r>
               <a:rPr lang="it-IT" dirty="0" smtClean="0"/>
@@ -6481,6 +6485,184 @@
     <p:extLst>
       <p:ext uri="{BB962C8B-B14F-4D97-AF65-F5344CB8AC3E}">
         <p14:creationId xmlns:p14="http://schemas.microsoft.com/office/powerpoint/2010/main" val="1155398387"/>
+      </p:ext>
+    </p:extLst>
+  </p:cSld>
+  <p:clrMapOvr>
+    <a:masterClrMapping/>
+  </p:clrMapOvr>
+</p:sld>
+</file>
+
+<file path=ppt/slides/slide4.xml><?xml version="1.0" encoding="utf-8"?>
+<p:sld xmlns:a="http://schemas.openxmlformats.org/drawingml/2006/main" xmlns:r="http://schemas.openxmlformats.org/officeDocument/2006/relationships" xmlns:p="http://schemas.openxmlformats.org/presentationml/2006/main">
+  <p:cSld>
+    <p:spTree>
+      <p:nvGrpSpPr>
+        <p:cNvPr id="1" name=""/>
+        <p:cNvGrpSpPr/>
+        <p:nvPr/>
+      </p:nvGrpSpPr>
+      <p:grpSpPr>
+        <a:xfrm>
+          <a:off x="0" y="0"/>
+          <a:ext cx="0" cy="0"/>
+          <a:chOff x="0" y="0"/>
+          <a:chExt cx="0" cy="0"/>
+        </a:xfrm>
+      </p:grpSpPr>
+      <p:sp>
+        <p:nvSpPr>
+          <p:cNvPr id="2" name="Title 1"/>
+          <p:cNvSpPr>
+            <a:spLocks noGrp="1"/>
+          </p:cNvSpPr>
+          <p:nvPr>
+            <p:ph type="title"/>
+          </p:nvPr>
+        </p:nvSpPr>
+        <p:spPr/>
+        <p:txBody>
+          <a:bodyPr/>
+          <a:lstStyle/>
+          <a:p>
+            <a:r>
+              <a:rPr lang="en-US" dirty="0" smtClean="0"/>
+              <a:t>The heritage of</a:t>
+            </a:r>
+            <a:br>
+              <a:rPr lang="en-US" dirty="0" smtClean="0"/>
+            </a:br>
+            <a:r>
+              <a:rPr lang="en-US" dirty="0" smtClean="0"/>
+              <a:t>legacy pbl_met</a:t>
+            </a:r>
+            <a:endParaRPr lang="en-US" dirty="0"/>
+          </a:p>
+        </p:txBody>
+      </p:sp>
+      <p:sp>
+        <p:nvSpPr>
+          <p:cNvPr id="3" name="Content Placeholder 2"/>
+          <p:cNvSpPr>
+            <a:spLocks noGrp="1"/>
+          </p:cNvSpPr>
+          <p:nvPr>
+            <p:ph idx="1"/>
+          </p:nvPr>
+        </p:nvSpPr>
+        <p:spPr/>
+        <p:txBody>
+          <a:bodyPr/>
+          <a:lstStyle/>
+          <a:p>
+            <a:r>
+              <a:rPr lang="en-US" dirty="0" smtClean="0"/>
+              <a:t>The new </a:t>
+            </a:r>
+            <a:r>
+              <a:rPr lang="en-US" i="1" dirty="0" smtClean="0"/>
+              <a:t>pbl_met</a:t>
+            </a:r>
+            <a:r>
+              <a:rPr lang="en-US" dirty="0" smtClean="0"/>
+              <a:t> widely extends a pre-</a:t>
+            </a:r>
+            <a:r>
+              <a:rPr lang="en-US" dirty="0" err="1" smtClean="0"/>
+              <a:t>exixtent</a:t>
+            </a:r>
+            <a:r>
+              <a:rPr lang="en-US" dirty="0" smtClean="0"/>
+              <a:t> library, named PBL_MET (letter case </a:t>
+            </a:r>
+            <a:r>
+              <a:rPr lang="en-US" i="1" dirty="0" smtClean="0"/>
+              <a:t>is</a:t>
+            </a:r>
+            <a:r>
+              <a:rPr lang="en-US" dirty="0" smtClean="0"/>
+              <a:t> relevant)</a:t>
+            </a:r>
+          </a:p>
+          <a:p>
+            <a:r>
+              <a:rPr lang="en-US" dirty="0" smtClean="0"/>
+              <a:t>Legacy PBL_MET was realized by prof. Roberto </a:t>
+            </a:r>
+            <a:r>
+              <a:rPr lang="en-US" dirty="0" err="1" smtClean="0"/>
+              <a:t>Sozzi</a:t>
+            </a:r>
+            <a:r>
+              <a:rPr lang="en-US" dirty="0" smtClean="0"/>
+              <a:t> and dr. Daniel </a:t>
+            </a:r>
+            <a:r>
+              <a:rPr lang="en-US" dirty="0" err="1" smtClean="0"/>
+              <a:t>Fraternali</a:t>
+            </a:r>
+            <a:endParaRPr lang="en-US" dirty="0" smtClean="0"/>
+          </a:p>
+          <a:p>
+            <a:r>
+              <a:rPr lang="en-US" dirty="0" smtClean="0"/>
+              <a:t>Presented at </a:t>
+            </a:r>
+            <a:r>
+              <a:rPr lang="en-US" dirty="0" err="1" smtClean="0"/>
+              <a:t>Manno</a:t>
+            </a:r>
+            <a:r>
+              <a:rPr lang="en-US" dirty="0"/>
+              <a:t>, 1994 (URL: </a:t>
+            </a:r>
+            <a:r>
+              <a:rPr lang="en-US" dirty="0">
+                <a:hlinkClick r:id="rId2"/>
+              </a:rPr>
+              <a:t>http://</a:t>
+            </a:r>
+            <a:r>
+              <a:rPr lang="en-US" dirty="0" smtClean="0">
+                <a:hlinkClick r:id="rId2"/>
+              </a:rPr>
+              <a:t>www.harmo.org/conferences/Proceedings/complist.asp</a:t>
+            </a:r>
+            <a:r>
+              <a:rPr lang="en-US" dirty="0" smtClean="0"/>
+              <a:t> )</a:t>
+            </a:r>
+          </a:p>
+          <a:p>
+            <a:r>
+              <a:rPr lang="en-US" dirty="0" smtClean="0"/>
+              <a:t>Specific focus: helping to craft 1D meteorological processors, for use in dispersion modeling</a:t>
+            </a:r>
+          </a:p>
+          <a:p>
+            <a:r>
+              <a:rPr lang="en-US" dirty="0" smtClean="0"/>
+              <a:t>Intended users: expert atmospheric physicists</a:t>
+            </a:r>
+          </a:p>
+          <a:p>
+            <a:r>
+              <a:rPr lang="en-US" dirty="0" smtClean="0"/>
+              <a:t>State: closed-source commercial library, then declassified (circa 2016) </a:t>
+            </a:r>
+            <a:r>
+              <a:rPr lang="en-US" smtClean="0"/>
+              <a:t>and placed to the open-source. </a:t>
+            </a:r>
+            <a:endParaRPr lang="en-US" dirty="0"/>
+          </a:p>
+        </p:txBody>
+      </p:sp>
+    </p:spTree>
+    <p:extLst>
+      <p:ext uri="{BB962C8B-B14F-4D97-AF65-F5344CB8AC3E}">
+        <p14:creationId xmlns:p14="http://schemas.microsoft.com/office/powerpoint/2010/main" val="456209797"/>
       </p:ext>
     </p:extLst>
   </p:cSld>

--- a/doc/pbl_met description.pptx
+++ b/doc/pbl_met description.pptx
@@ -9,6 +9,10 @@
     <p:sldId id="257" r:id="rId3"/>
     <p:sldId id="258" r:id="rId4"/>
     <p:sldId id="259" r:id="rId5"/>
+    <p:sldId id="260" r:id="rId6"/>
+    <p:sldId id="261" r:id="rId7"/>
+    <p:sldId id="262" r:id="rId8"/>
+    <p:sldId id="263" r:id="rId9"/>
   </p:sldIdLst>
   <p:sldSz cx="12192000" cy="6858000"/>
   <p:notesSz cx="6858000" cy="9144000"/>
@@ -6649,11 +6653,7 @@
           <a:p>
             <a:r>
               <a:rPr lang="en-US" dirty="0" smtClean="0"/>
-              <a:t>State: closed-source commercial library, then declassified (circa 2016) </a:t>
-            </a:r>
-            <a:r>
-              <a:rPr lang="en-US" smtClean="0"/>
-              <a:t>and placed to the open-source. </a:t>
+              <a:t>State: closed-source commercial library, then declassified (circa 2016) and placed to the open-source. </a:t>
             </a:r>
             <a:endParaRPr lang="en-US" dirty="0"/>
           </a:p>
@@ -6663,6 +6663,487 @@
     <p:extLst>
       <p:ext uri="{BB962C8B-B14F-4D97-AF65-F5344CB8AC3E}">
         <p14:creationId xmlns:p14="http://schemas.microsoft.com/office/powerpoint/2010/main" val="456209797"/>
+      </p:ext>
+    </p:extLst>
+  </p:cSld>
+  <p:clrMapOvr>
+    <a:masterClrMapping/>
+  </p:clrMapOvr>
+</p:sld>
+</file>
+
+<file path=ppt/slides/slide5.xml><?xml version="1.0" encoding="utf-8"?>
+<p:sld xmlns:a="http://schemas.openxmlformats.org/drawingml/2006/main" xmlns:r="http://schemas.openxmlformats.org/officeDocument/2006/relationships" xmlns:p="http://schemas.openxmlformats.org/presentationml/2006/main">
+  <p:cSld>
+    <p:spTree>
+      <p:nvGrpSpPr>
+        <p:cNvPr id="1" name=""/>
+        <p:cNvGrpSpPr/>
+        <p:nvPr/>
+      </p:nvGrpSpPr>
+      <p:grpSpPr>
+        <a:xfrm>
+          <a:off x="0" y="0"/>
+          <a:ext cx="0" cy="0"/>
+          <a:chOff x="0" y="0"/>
+          <a:chExt cx="0" cy="0"/>
+        </a:xfrm>
+      </p:grpSpPr>
+      <p:sp>
+        <p:nvSpPr>
+          <p:cNvPr id="2" name="Title 1"/>
+          <p:cNvSpPr>
+            <a:spLocks noGrp="1"/>
+          </p:cNvSpPr>
+          <p:nvPr>
+            <p:ph type="title"/>
+          </p:nvPr>
+        </p:nvSpPr>
+        <p:spPr/>
+        <p:txBody>
+          <a:bodyPr/>
+          <a:lstStyle/>
+          <a:p>
+            <a:r>
+              <a:rPr lang="en-US" dirty="0" smtClean="0"/>
+              <a:t>Test code</a:t>
+            </a:r>
+            <a:endParaRPr lang="en-US" dirty="0"/>
+          </a:p>
+        </p:txBody>
+      </p:sp>
+      <p:sp>
+        <p:nvSpPr>
+          <p:cNvPr id="3" name="Content Placeholder 2"/>
+          <p:cNvSpPr>
+            <a:spLocks noGrp="1"/>
+          </p:cNvSpPr>
+          <p:nvPr>
+            <p:ph idx="1"/>
+          </p:nvPr>
+        </p:nvSpPr>
+        <p:spPr/>
+        <p:txBody>
+          <a:bodyPr/>
+          <a:lstStyle/>
+          <a:p>
+            <a:r>
+              <a:rPr lang="en-US" dirty="0" smtClean="0"/>
+              <a:t>Quite a part of </a:t>
+            </a:r>
+            <a:r>
+              <a:rPr lang="en-US" i="1" dirty="0" smtClean="0"/>
+              <a:t>pbl_met</a:t>
+            </a:r>
+            <a:r>
+              <a:rPr lang="en-US" dirty="0" smtClean="0"/>
+              <a:t> is “test code”, aimed at harnessing procedure functionalities, and “proving” they are correct.</a:t>
+            </a:r>
+          </a:p>
+          <a:p>
+            <a:r>
+              <a:rPr lang="en-US" dirty="0" smtClean="0"/>
+              <a:t>This is unlike the legacy PBL_MET, for which test code was not released.</a:t>
+            </a:r>
+          </a:p>
+          <a:p>
+            <a:r>
+              <a:rPr lang="en-US" dirty="0" smtClean="0"/>
+              <a:t>Test code, collected under directory “/test”, also provides examples on using individual routines.</a:t>
+            </a:r>
+            <a:endParaRPr lang="en-US" dirty="0"/>
+          </a:p>
+        </p:txBody>
+      </p:sp>
+    </p:spTree>
+    <p:extLst>
+      <p:ext uri="{BB962C8B-B14F-4D97-AF65-F5344CB8AC3E}">
+        <p14:creationId xmlns:p14="http://schemas.microsoft.com/office/powerpoint/2010/main" val="383908900"/>
+      </p:ext>
+    </p:extLst>
+  </p:cSld>
+  <p:clrMapOvr>
+    <a:masterClrMapping/>
+  </p:clrMapOvr>
+</p:sld>
+</file>
+
+<file path=ppt/slides/slide6.xml><?xml version="1.0" encoding="utf-8"?>
+<p:sld xmlns:a="http://schemas.openxmlformats.org/drawingml/2006/main" xmlns:r="http://schemas.openxmlformats.org/officeDocument/2006/relationships" xmlns:p="http://schemas.openxmlformats.org/presentationml/2006/main">
+  <p:cSld>
+    <p:spTree>
+      <p:nvGrpSpPr>
+        <p:cNvPr id="1" name=""/>
+        <p:cNvGrpSpPr/>
+        <p:nvPr/>
+      </p:nvGrpSpPr>
+      <p:grpSpPr>
+        <a:xfrm>
+          <a:off x="0" y="0"/>
+          <a:ext cx="0" cy="0"/>
+          <a:chOff x="0" y="0"/>
+          <a:chExt cx="0" cy="0"/>
+        </a:xfrm>
+      </p:grpSpPr>
+      <p:sp>
+        <p:nvSpPr>
+          <p:cNvPr id="2" name="Title 1"/>
+          <p:cNvSpPr>
+            <a:spLocks noGrp="1"/>
+          </p:cNvSpPr>
+          <p:nvPr>
+            <p:ph type="title"/>
+          </p:nvPr>
+        </p:nvSpPr>
+        <p:spPr/>
+        <p:txBody>
+          <a:bodyPr/>
+          <a:lstStyle/>
+          <a:p>
+            <a:r>
+              <a:rPr lang="en-US" dirty="0" smtClean="0"/>
+              <a:t>Why </a:t>
+            </a:r>
+            <a:r>
+              <a:rPr lang="en-US" dirty="0" err="1" smtClean="0"/>
+              <a:t>fortran</a:t>
+            </a:r>
+            <a:r>
+              <a:rPr lang="en-US" dirty="0" smtClean="0"/>
+              <a:t>?</a:t>
+            </a:r>
+            <a:endParaRPr lang="en-US" dirty="0"/>
+          </a:p>
+        </p:txBody>
+      </p:sp>
+      <p:sp>
+        <p:nvSpPr>
+          <p:cNvPr id="3" name="Content Placeholder 2"/>
+          <p:cNvSpPr>
+            <a:spLocks noGrp="1"/>
+          </p:cNvSpPr>
+          <p:nvPr>
+            <p:ph idx="1"/>
+          </p:nvPr>
+        </p:nvSpPr>
+        <p:spPr/>
+        <p:txBody>
+          <a:bodyPr/>
+          <a:lstStyle/>
+          <a:p>
+            <a:r>
+              <a:rPr lang="en-US" dirty="0" smtClean="0"/>
+              <a:t>To date, much scientific code is written using Python and R, so why indulging </a:t>
+            </a:r>
+            <a:r>
+              <a:rPr lang="en-US" dirty="0"/>
+              <a:t>o</a:t>
+            </a:r>
+            <a:r>
+              <a:rPr lang="en-US" dirty="0" smtClean="0"/>
+              <a:t>n Fortran?</a:t>
+            </a:r>
+          </a:p>
+          <a:p>
+            <a:r>
+              <a:rPr lang="en-US" dirty="0" smtClean="0"/>
+              <a:t>Our main reasons are, small footprint and run-time efficiency.</a:t>
+            </a:r>
+          </a:p>
+          <a:p>
+            <a:r>
+              <a:rPr lang="en-US" dirty="0" smtClean="0"/>
+              <a:t>Likely use cases:</a:t>
+            </a:r>
+          </a:p>
+          <a:p>
+            <a:pPr lvl="1"/>
+            <a:r>
+              <a:rPr lang="en-US" dirty="0" smtClean="0"/>
+              <a:t>Real-time met processors on small scale embedded systems.</a:t>
+            </a:r>
+          </a:p>
+          <a:p>
+            <a:pPr lvl="1"/>
+            <a:r>
+              <a:rPr lang="en-US" dirty="0" smtClean="0"/>
+              <a:t>Inclusion as component in meteorological and atmospheric pollutant dispersion models.</a:t>
+            </a:r>
+          </a:p>
+          <a:p>
+            <a:r>
+              <a:rPr lang="en-US" dirty="0" smtClean="0"/>
+              <a:t>Besides, Fortran is still used and well known among the geophysicists community.</a:t>
+            </a:r>
+            <a:endParaRPr lang="en-US" dirty="0"/>
+          </a:p>
+        </p:txBody>
+      </p:sp>
+    </p:spTree>
+    <p:extLst>
+      <p:ext uri="{BB962C8B-B14F-4D97-AF65-F5344CB8AC3E}">
+        <p14:creationId xmlns:p14="http://schemas.microsoft.com/office/powerpoint/2010/main" val="771965999"/>
+      </p:ext>
+    </p:extLst>
+  </p:cSld>
+  <p:clrMapOvr>
+    <a:masterClrMapping/>
+  </p:clrMapOvr>
+</p:sld>
+</file>
+
+<file path=ppt/slides/slide7.xml><?xml version="1.0" encoding="utf-8"?>
+<p:sld xmlns:a="http://schemas.openxmlformats.org/drawingml/2006/main" xmlns:r="http://schemas.openxmlformats.org/officeDocument/2006/relationships" xmlns:p="http://schemas.openxmlformats.org/presentationml/2006/main">
+  <p:cSld>
+    <p:spTree>
+      <p:nvGrpSpPr>
+        <p:cNvPr id="1" name=""/>
+        <p:cNvGrpSpPr/>
+        <p:nvPr/>
+      </p:nvGrpSpPr>
+      <p:grpSpPr>
+        <a:xfrm>
+          <a:off x="0" y="0"/>
+          <a:ext cx="0" cy="0"/>
+          <a:chOff x="0" y="0"/>
+          <a:chExt cx="0" cy="0"/>
+        </a:xfrm>
+      </p:grpSpPr>
+      <p:sp>
+        <p:nvSpPr>
+          <p:cNvPr id="2" name="Title 1"/>
+          <p:cNvSpPr>
+            <a:spLocks noGrp="1"/>
+          </p:cNvSpPr>
+          <p:nvPr>
+            <p:ph type="title"/>
+          </p:nvPr>
+        </p:nvSpPr>
+        <p:spPr/>
+        <p:txBody>
+          <a:bodyPr/>
+          <a:lstStyle/>
+          <a:p>
+            <a:r>
+              <a:rPr lang="en-US" dirty="0" smtClean="0"/>
+              <a:t>Fortran specific advantages</a:t>
+            </a:r>
+            <a:endParaRPr lang="en-US" dirty="0"/>
+          </a:p>
+        </p:txBody>
+      </p:sp>
+      <p:sp>
+        <p:nvSpPr>
+          <p:cNvPr id="3" name="Content Placeholder 2"/>
+          <p:cNvSpPr>
+            <a:spLocks noGrp="1"/>
+          </p:cNvSpPr>
+          <p:nvPr>
+            <p:ph idx="1"/>
+          </p:nvPr>
+        </p:nvSpPr>
+        <p:spPr/>
+        <p:txBody>
+          <a:bodyPr/>
+          <a:lstStyle/>
+          <a:p>
+            <a:r>
+              <a:rPr lang="en-US" dirty="0" smtClean="0"/>
+              <a:t>In </a:t>
+            </a:r>
+            <a:r>
+              <a:rPr lang="en-US" i="1" dirty="0" smtClean="0"/>
+              <a:t>modern</a:t>
+            </a:r>
+            <a:r>
+              <a:rPr lang="en-US" dirty="0" smtClean="0"/>
+              <a:t> Fortran (i.e. Fortran 2003, 2008, 2015) extensive support is provided for current programming paradigms, e.g. object orientation and large-scale programming.</a:t>
+            </a:r>
+          </a:p>
+          <a:p>
+            <a:r>
+              <a:rPr lang="en-US" dirty="0" smtClean="0"/>
+              <a:t>Modern Fortran natively supports parallelism, both fine-grained (e.g. SIMD) and coarse-grained (e.g. multi-core).</a:t>
+            </a:r>
+          </a:p>
+          <a:p>
+            <a:pPr lvl="1"/>
+            <a:r>
+              <a:rPr lang="en-US" dirty="0" smtClean="0"/>
+              <a:t>Not directly used in </a:t>
+            </a:r>
+            <a:r>
+              <a:rPr lang="en-US" i="1" dirty="0" smtClean="0"/>
+              <a:t>pbl_met</a:t>
+            </a:r>
+            <a:r>
+              <a:rPr lang="en-US" dirty="0" smtClean="0"/>
+              <a:t>, but allowing easy inclusion in parallel code.</a:t>
+            </a:r>
+          </a:p>
+          <a:p>
+            <a:r>
+              <a:rPr lang="en-US" dirty="0" smtClean="0"/>
+              <a:t>Very important (most, possibly): modern Fortran allows writing </a:t>
+            </a:r>
+            <a:r>
+              <a:rPr lang="en-US" i="1" dirty="0" smtClean="0"/>
+              <a:t>readable</a:t>
+            </a:r>
+            <a:r>
+              <a:rPr lang="en-US" dirty="0" smtClean="0"/>
+              <a:t> and </a:t>
+            </a:r>
+            <a:r>
+              <a:rPr lang="en-US" i="1" dirty="0" smtClean="0"/>
+              <a:t>understandable</a:t>
+            </a:r>
+            <a:r>
+              <a:rPr lang="en-US" dirty="0" smtClean="0"/>
+              <a:t> code.</a:t>
+            </a:r>
+            <a:endParaRPr lang="en-US" dirty="0"/>
+          </a:p>
+        </p:txBody>
+      </p:sp>
+    </p:spTree>
+    <p:extLst>
+      <p:ext uri="{BB962C8B-B14F-4D97-AF65-F5344CB8AC3E}">
+        <p14:creationId xmlns:p14="http://schemas.microsoft.com/office/powerpoint/2010/main" val="373156362"/>
+      </p:ext>
+    </p:extLst>
+  </p:cSld>
+  <p:clrMapOvr>
+    <a:masterClrMapping/>
+  </p:clrMapOvr>
+</p:sld>
+</file>
+
+<file path=ppt/slides/slide8.xml><?xml version="1.0" encoding="utf-8"?>
+<p:sld xmlns:a="http://schemas.openxmlformats.org/drawingml/2006/main" xmlns:r="http://schemas.openxmlformats.org/officeDocument/2006/relationships" xmlns:p="http://schemas.openxmlformats.org/presentationml/2006/main">
+  <p:cSld>
+    <p:spTree>
+      <p:nvGrpSpPr>
+        <p:cNvPr id="1" name=""/>
+        <p:cNvGrpSpPr/>
+        <p:nvPr/>
+      </p:nvGrpSpPr>
+      <p:grpSpPr>
+        <a:xfrm>
+          <a:off x="0" y="0"/>
+          <a:ext cx="0" cy="0"/>
+          <a:chOff x="0" y="0"/>
+          <a:chExt cx="0" cy="0"/>
+        </a:xfrm>
+      </p:grpSpPr>
+      <p:sp>
+        <p:nvSpPr>
+          <p:cNvPr id="2" name="Title 1"/>
+          <p:cNvSpPr>
+            <a:spLocks noGrp="1"/>
+          </p:cNvSpPr>
+          <p:nvPr>
+            <p:ph type="title"/>
+          </p:nvPr>
+        </p:nvSpPr>
+        <p:spPr/>
+        <p:txBody>
+          <a:bodyPr/>
+          <a:lstStyle/>
+          <a:p>
+            <a:r>
+              <a:rPr lang="en-US" dirty="0" smtClean="0"/>
+              <a:t>Code readability</a:t>
+            </a:r>
+            <a:endParaRPr lang="en-US" dirty="0"/>
+          </a:p>
+        </p:txBody>
+      </p:sp>
+      <p:sp>
+        <p:nvSpPr>
+          <p:cNvPr id="3" name="Content Placeholder 2"/>
+          <p:cNvSpPr>
+            <a:spLocks noGrp="1"/>
+          </p:cNvSpPr>
+          <p:nvPr>
+            <p:ph idx="1"/>
+          </p:nvPr>
+        </p:nvSpPr>
+        <p:spPr/>
+        <p:txBody>
+          <a:bodyPr/>
+          <a:lstStyle/>
+          <a:p>
+            <a:r>
+              <a:rPr lang="en-US" dirty="0" smtClean="0"/>
+              <a:t>The </a:t>
+            </a:r>
+            <a:r>
+              <a:rPr lang="en-US" i="1" dirty="0" smtClean="0"/>
+              <a:t>pbl_met</a:t>
+            </a:r>
+            <a:r>
+              <a:rPr lang="en-US" dirty="0" smtClean="0"/>
+              <a:t> places a very high value in </a:t>
+            </a:r>
+            <a:r>
+              <a:rPr lang="en-US" i="1" dirty="0" smtClean="0"/>
+              <a:t>readable</a:t>
+            </a:r>
+            <a:r>
+              <a:rPr lang="en-US" dirty="0" smtClean="0"/>
+              <a:t> and </a:t>
+            </a:r>
+            <a:r>
+              <a:rPr lang="en-US" i="1" dirty="0" smtClean="0"/>
+              <a:t>understandable</a:t>
+            </a:r>
+            <a:r>
+              <a:rPr lang="en-US" dirty="0" smtClean="0"/>
+              <a:t> code.</a:t>
+            </a:r>
+          </a:p>
+          <a:p>
+            <a:r>
+              <a:rPr lang="en-US" dirty="0" smtClean="0"/>
+              <a:t>Our </a:t>
+            </a:r>
+            <a:r>
+              <a:rPr lang="en-US" dirty="0" err="1" smtClean="0"/>
+              <a:t>phylosophy</a:t>
+            </a:r>
+            <a:r>
+              <a:rPr lang="en-US" dirty="0" smtClean="0"/>
+              <a:t> departs somewhat from traditional open-source: we firmly believe there is no logical reason people, in front of a “public” project, should “sink or swim”.</a:t>
+            </a:r>
+          </a:p>
+          <a:p>
+            <a:r>
+              <a:rPr lang="en-US" dirty="0" smtClean="0"/>
+              <a:t>Our purpose is not selecting tough contributors, but rather making life the least miserable possible to prospective users, who are not necessarily dedicated amateurs or professional programmers.</a:t>
+            </a:r>
+          </a:p>
+          <a:p>
+            <a:r>
+              <a:rPr lang="en-US" dirty="0" smtClean="0"/>
+              <a:t>Because of this, </a:t>
+            </a:r>
+            <a:r>
+              <a:rPr lang="en-US" i="1" dirty="0" smtClean="0"/>
+              <a:t>pbl_met</a:t>
+            </a:r>
+            <a:r>
+              <a:rPr lang="en-US" dirty="0" smtClean="0"/>
+              <a:t> is “written for people” instead of “for the machine”.</a:t>
+            </a:r>
+            <a:endParaRPr lang="en-US" dirty="0"/>
+          </a:p>
+        </p:txBody>
+      </p:sp>
+    </p:spTree>
+    <p:extLst>
+      <p:ext uri="{BB962C8B-B14F-4D97-AF65-F5344CB8AC3E}">
+        <p14:creationId xmlns:p14="http://schemas.microsoft.com/office/powerpoint/2010/main" val="1442962052"/>
       </p:ext>
     </p:extLst>
   </p:cSld>

--- a/doc/pbl_met description.pptx
+++ b/doc/pbl_met description.pptx
@@ -9,10 +9,11 @@
     <p:sldId id="257" r:id="rId3"/>
     <p:sldId id="258" r:id="rId4"/>
     <p:sldId id="259" r:id="rId5"/>
-    <p:sldId id="260" r:id="rId6"/>
-    <p:sldId id="261" r:id="rId7"/>
-    <p:sldId id="262" r:id="rId8"/>
-    <p:sldId id="263" r:id="rId9"/>
+    <p:sldId id="264" r:id="rId6"/>
+    <p:sldId id="260" r:id="rId7"/>
+    <p:sldId id="261" r:id="rId8"/>
+    <p:sldId id="262" r:id="rId9"/>
+    <p:sldId id="263" r:id="rId10"/>
   </p:sldIdLst>
   <p:sldSz cx="12192000" cy="6858000"/>
   <p:notesSz cx="6858000" cy="9144000"/>
@@ -6706,7 +6707,7 @@
           <a:p>
             <a:r>
               <a:rPr lang="en-US" dirty="0" smtClean="0"/>
-              <a:t>Test code</a:t>
+              <a:t>Changes since legacy pbl_met</a:t>
             </a:r>
             <a:endParaRPr lang="en-US" dirty="0"/>
           </a:p>
@@ -6729,27 +6730,60 @@
           <a:p>
             <a:r>
               <a:rPr lang="en-US" dirty="0" smtClean="0"/>
-              <a:t>Quite a part of </a:t>
-            </a:r>
-            <a:r>
-              <a:rPr lang="en-US" i="1" dirty="0" smtClean="0"/>
-              <a:t>pbl_met</a:t>
-            </a:r>
+              <a:t>Focus expanded, from 1D met processors to general micro-meteorological data processing.</a:t>
+            </a:r>
+          </a:p>
+          <a:p>
             <a:r>
               <a:rPr lang="en-US" dirty="0" smtClean="0"/>
-              <a:t> is “test code”, aimed at harnessing procedure functionalities, and “proving” they are correct.</a:t>
-            </a:r>
-          </a:p>
-          <a:p>
+              <a:t>As a result, the code base enlarged significantly:</a:t>
+            </a:r>
+          </a:p>
+          <a:p>
+            <a:pPr lvl="1"/>
             <a:r>
               <a:rPr lang="en-US" dirty="0" smtClean="0"/>
-              <a:t>This is unlike the legacy PBL_MET, for which test code was not released.</a:t>
-            </a:r>
-          </a:p>
-          <a:p>
+              <a:t>Statistics!</a:t>
+            </a:r>
+          </a:p>
+          <a:p>
+            <a:pPr lvl="1"/>
             <a:r>
               <a:rPr lang="en-US" dirty="0" smtClean="0"/>
-              <a:t>Test code, collected under directory “/test”, also provides examples on using individual routines.</a:t>
+              <a:t>Eddy-covariance (wind, temperature, water (optional) and carbon dioxide (optional)).</a:t>
+            </a:r>
+          </a:p>
+          <a:p>
+            <a:pPr lvl="1"/>
+            <a:r>
+              <a:rPr lang="en-US" dirty="0" smtClean="0"/>
+              <a:t>Support for sensors like ultrasonic anemometers (various data formats), SODAR/RASS and narrow-beam </a:t>
+            </a:r>
+            <a:r>
+              <a:rPr lang="en-US" dirty="0" err="1" smtClean="0"/>
+              <a:t>disdrometric</a:t>
+            </a:r>
+            <a:r>
+              <a:rPr lang="en-US" dirty="0" smtClean="0"/>
+              <a:t> radars.</a:t>
+            </a:r>
+          </a:p>
+          <a:p>
+            <a:r>
+              <a:rPr lang="en-US" dirty="0" smtClean="0"/>
+              <a:t>Test suites now part of code base.</a:t>
+            </a:r>
+          </a:p>
+          <a:p>
+            <a:r>
+              <a:rPr lang="en-US" dirty="0" smtClean="0"/>
+              <a:t>Example applications provided.</a:t>
+            </a:r>
+          </a:p>
+          <a:p>
+            <a:r>
+              <a:rPr lang="en-US" dirty="0" smtClean="0"/>
+              <a:t>In general, extensive refactoring of legacy code.</a:t>
             </a:r>
             <a:endParaRPr lang="en-US" dirty="0"/>
           </a:p>
@@ -6758,7 +6792,7 @@
     </p:spTree>
     <p:extLst>
       <p:ext uri="{BB962C8B-B14F-4D97-AF65-F5344CB8AC3E}">
-        <p14:creationId xmlns:p14="http://schemas.microsoft.com/office/powerpoint/2010/main" val="383908900"/>
+        <p14:creationId xmlns:p14="http://schemas.microsoft.com/office/powerpoint/2010/main" val="620266531"/>
       </p:ext>
     </p:extLst>
   </p:cSld>
@@ -6802,78 +6836,77 @@
           <a:p>
             <a:r>
               <a:rPr lang="en-US" dirty="0" smtClean="0"/>
-              <a:t>Why </a:t>
-            </a:r>
-            <a:r>
-              <a:rPr lang="en-US" dirty="0" err="1" smtClean="0"/>
-              <a:t>fortran</a:t>
-            </a:r>
+              <a:t>Test code</a:t>
+            </a:r>
+            <a:endParaRPr lang="en-US" dirty="0"/>
+          </a:p>
+        </p:txBody>
+      </p:sp>
+      <p:sp>
+        <p:nvSpPr>
+          <p:cNvPr id="3" name="Content Placeholder 2"/>
+          <p:cNvSpPr>
+            <a:spLocks noGrp="1"/>
+          </p:cNvSpPr>
+          <p:nvPr>
+            <p:ph idx="1"/>
+          </p:nvPr>
+        </p:nvSpPr>
+        <p:spPr/>
+        <p:txBody>
+          <a:bodyPr/>
+          <a:lstStyle/>
+          <a:p>
             <a:r>
               <a:rPr lang="en-US" dirty="0" smtClean="0"/>
-              <a:t>?</a:t>
-            </a:r>
-            <a:endParaRPr lang="en-US" dirty="0"/>
-          </a:p>
-        </p:txBody>
-      </p:sp>
-      <p:sp>
-        <p:nvSpPr>
-          <p:cNvPr id="3" name="Content Placeholder 2"/>
-          <p:cNvSpPr>
-            <a:spLocks noGrp="1"/>
-          </p:cNvSpPr>
-          <p:nvPr>
-            <p:ph idx="1"/>
-          </p:nvPr>
-        </p:nvSpPr>
-        <p:spPr/>
-        <p:txBody>
-          <a:bodyPr/>
-          <a:lstStyle/>
-          <a:p>
+              <a:t>Quite a part of </a:t>
+            </a:r>
+            <a:r>
+              <a:rPr lang="en-US" i="1" dirty="0" smtClean="0"/>
+              <a:t>pbl_met</a:t>
+            </a:r>
             <a:r>
               <a:rPr lang="en-US" dirty="0" smtClean="0"/>
-              <a:t>To date, much scientific code is written using Python and R, so why indulging </a:t>
-            </a:r>
-            <a:r>
-              <a:rPr lang="en-US" dirty="0"/>
-              <a:t>o</a:t>
-            </a:r>
+              <a:t> is “test code”, aimed at harnessing procedure functionalities, and “proving” they are correct.</a:t>
+            </a:r>
+          </a:p>
+          <a:p>
+            <a:pPr lvl="1"/>
             <a:r>
               <a:rPr lang="en-US" dirty="0" smtClean="0"/>
-              <a:t>n Fortran?</a:t>
+              <a:t>For important modules, test code size equals or exceeds module size.</a:t>
             </a:r>
           </a:p>
           <a:p>
             <a:r>
               <a:rPr lang="en-US" dirty="0" smtClean="0"/>
-              <a:t>Our main reasons are, small footprint and run-time efficiency.</a:t>
+              <a:t>This is unlike the legacy PBL_MET, for which test code was not released.</a:t>
             </a:r>
           </a:p>
           <a:p>
             <a:r>
               <a:rPr lang="en-US" dirty="0" smtClean="0"/>
-              <a:t>Likely use cases:</a:t>
+              <a:t>Test code, collected under directory “/test”, also provides examples on using individual routines.</a:t>
+            </a:r>
+          </a:p>
+          <a:p>
+            <a:r>
+              <a:rPr lang="en-US" dirty="0" smtClean="0"/>
+              <a:t>Test code also useful to see various modern Fortran constructs at work.</a:t>
             </a:r>
           </a:p>
           <a:p>
             <a:pPr lvl="1"/>
             <a:r>
               <a:rPr lang="en-US" dirty="0" smtClean="0"/>
-              <a:t>Real-time met processors on small scale embedded systems.</a:t>
+              <a:t>Named optional parameters in argument list.</a:t>
             </a:r>
           </a:p>
           <a:p>
             <a:pPr lvl="1"/>
             <a:r>
               <a:rPr lang="en-US" dirty="0" smtClean="0"/>
-              <a:t>Inclusion as component in meteorological and atmospheric pollutant dispersion models.</a:t>
-            </a:r>
-          </a:p>
-          <a:p>
-            <a:r>
-              <a:rPr lang="en-US" dirty="0" smtClean="0"/>
-              <a:t>Besides, Fortran is still used and well known among the geophysicists community.</a:t>
+              <a:t>Object-orientation.</a:t>
             </a:r>
             <a:endParaRPr lang="en-US" dirty="0"/>
           </a:p>
@@ -6882,7 +6915,7 @@
     </p:spTree>
     <p:extLst>
       <p:ext uri="{BB962C8B-B14F-4D97-AF65-F5344CB8AC3E}">
-        <p14:creationId xmlns:p14="http://schemas.microsoft.com/office/powerpoint/2010/main" val="771965999"/>
+        <p14:creationId xmlns:p14="http://schemas.microsoft.com/office/powerpoint/2010/main" val="383908900"/>
       </p:ext>
     </p:extLst>
   </p:cSld>
@@ -6926,7 +6959,15 @@
           <a:p>
             <a:r>
               <a:rPr lang="en-US" dirty="0" smtClean="0"/>
-              <a:t>Fortran specific advantages</a:t>
+              <a:t>But: Why </a:t>
+            </a:r>
+            <a:r>
+              <a:rPr lang="en-US" dirty="0" err="1" smtClean="0"/>
+              <a:t>fortran</a:t>
+            </a:r>
+            <a:r>
+              <a:rPr lang="en-US" dirty="0" smtClean="0"/>
+              <a:t>?</a:t>
             </a:r>
             <a:endParaRPr lang="en-US" dirty="0"/>
           </a:p>
@@ -6949,58 +6990,47 @@
           <a:p>
             <a:r>
               <a:rPr lang="en-US" dirty="0" smtClean="0"/>
-              <a:t>In </a:t>
-            </a:r>
-            <a:r>
-              <a:rPr lang="en-US" i="1" dirty="0" smtClean="0"/>
-              <a:t>modern</a:t>
+              <a:t>To date, much scientific code is written using Python and R, so why indulging </a:t>
+            </a:r>
+            <a:r>
+              <a:rPr lang="en-US" dirty="0"/>
+              <a:t>o</a:t>
             </a:r>
             <a:r>
               <a:rPr lang="en-US" dirty="0" smtClean="0"/>
-              <a:t> Fortran (i.e. Fortran 2003, 2008, 2015) extensive support is provided for current programming paradigms, e.g. object orientation and large-scale programming.</a:t>
+              <a:t>n Fortran?</a:t>
             </a:r>
           </a:p>
           <a:p>
             <a:r>
               <a:rPr lang="en-US" dirty="0" smtClean="0"/>
-              <a:t>Modern Fortran natively supports parallelism, both fine-grained (e.g. SIMD) and coarse-grained (e.g. multi-core).</a:t>
+              <a:t>Our main reasons are, small footprint and run-time efficiency.</a:t>
+            </a:r>
+          </a:p>
+          <a:p>
+            <a:r>
+              <a:rPr lang="en-US" dirty="0" smtClean="0"/>
+              <a:t>Likely use cases:</a:t>
             </a:r>
           </a:p>
           <a:p>
             <a:pPr lvl="1"/>
             <a:r>
               <a:rPr lang="en-US" dirty="0" smtClean="0"/>
-              <a:t>Not directly used in </a:t>
-            </a:r>
-            <a:r>
-              <a:rPr lang="en-US" i="1" dirty="0" smtClean="0"/>
-              <a:t>pbl_met</a:t>
-            </a:r>
+              <a:t>Real-time met processors on small scale embedded systems.</a:t>
+            </a:r>
+          </a:p>
+          <a:p>
+            <a:pPr lvl="1"/>
             <a:r>
               <a:rPr lang="en-US" dirty="0" smtClean="0"/>
-              <a:t>, but allowing easy inclusion in parallel code.</a:t>
+              <a:t>Inclusion as component in meteorological and atmospheric pollutant dispersion models.</a:t>
             </a:r>
           </a:p>
           <a:p>
             <a:r>
               <a:rPr lang="en-US" dirty="0" smtClean="0"/>
-              <a:t>Very important (most, possibly): modern Fortran allows writing </a:t>
-            </a:r>
-            <a:r>
-              <a:rPr lang="en-US" i="1" dirty="0" smtClean="0"/>
-              <a:t>readable</a:t>
-            </a:r>
-            <a:r>
-              <a:rPr lang="en-US" dirty="0" smtClean="0"/>
-              <a:t> and </a:t>
-            </a:r>
-            <a:r>
-              <a:rPr lang="en-US" i="1" dirty="0" smtClean="0"/>
-              <a:t>understandable</a:t>
-            </a:r>
-            <a:r>
-              <a:rPr lang="en-US" dirty="0" smtClean="0"/>
-              <a:t> code.</a:t>
+              <a:t>Besides, Fortran is still used and well known among the geophysicists community.</a:t>
             </a:r>
             <a:endParaRPr lang="en-US" dirty="0"/>
           </a:p>
@@ -7009,7 +7039,7 @@
     </p:spTree>
     <p:extLst>
       <p:ext uri="{BB962C8B-B14F-4D97-AF65-F5344CB8AC3E}">
-        <p14:creationId xmlns:p14="http://schemas.microsoft.com/office/powerpoint/2010/main" val="373156362"/>
+        <p14:creationId xmlns:p14="http://schemas.microsoft.com/office/powerpoint/2010/main" val="771965999"/>
       </p:ext>
     </p:extLst>
   </p:cSld>
@@ -7053,6 +7083,133 @@
           <a:p>
             <a:r>
               <a:rPr lang="en-US" dirty="0" smtClean="0"/>
+              <a:t>Fortran specific advantages</a:t>
+            </a:r>
+            <a:endParaRPr lang="en-US" dirty="0"/>
+          </a:p>
+        </p:txBody>
+      </p:sp>
+      <p:sp>
+        <p:nvSpPr>
+          <p:cNvPr id="3" name="Content Placeholder 2"/>
+          <p:cNvSpPr>
+            <a:spLocks noGrp="1"/>
+          </p:cNvSpPr>
+          <p:nvPr>
+            <p:ph idx="1"/>
+          </p:nvPr>
+        </p:nvSpPr>
+        <p:spPr/>
+        <p:txBody>
+          <a:bodyPr/>
+          <a:lstStyle/>
+          <a:p>
+            <a:r>
+              <a:rPr lang="en-US" dirty="0" smtClean="0"/>
+              <a:t>In </a:t>
+            </a:r>
+            <a:r>
+              <a:rPr lang="en-US" i="1" dirty="0" smtClean="0"/>
+              <a:t>modern</a:t>
+            </a:r>
+            <a:r>
+              <a:rPr lang="en-US" dirty="0" smtClean="0"/>
+              <a:t> Fortran (i.e. Fortran 2003, 2008, 2015) extensive support is provided for current programming paradigms, e.g. object orientation and large-scale programming.</a:t>
+            </a:r>
+          </a:p>
+          <a:p>
+            <a:r>
+              <a:rPr lang="en-US" dirty="0" smtClean="0"/>
+              <a:t>Modern Fortran natively supports parallelism, both fine-grained (e.g. SIMD) and coarse-grained (e.g. multi-core).</a:t>
+            </a:r>
+          </a:p>
+          <a:p>
+            <a:pPr lvl="1"/>
+            <a:r>
+              <a:rPr lang="en-US" dirty="0" smtClean="0"/>
+              <a:t>Not directly used in </a:t>
+            </a:r>
+            <a:r>
+              <a:rPr lang="en-US" i="1" dirty="0" smtClean="0"/>
+              <a:t>pbl_met</a:t>
+            </a:r>
+            <a:r>
+              <a:rPr lang="en-US" dirty="0" smtClean="0"/>
+              <a:t>, but allowing easy inclusion in parallel code.</a:t>
+            </a:r>
+          </a:p>
+          <a:p>
+            <a:r>
+              <a:rPr lang="en-US" dirty="0" smtClean="0"/>
+              <a:t>Very important (most, possibly): modern Fortran allows writing </a:t>
+            </a:r>
+            <a:r>
+              <a:rPr lang="en-US" i="1" dirty="0" smtClean="0"/>
+              <a:t>readable</a:t>
+            </a:r>
+            <a:r>
+              <a:rPr lang="en-US" dirty="0" smtClean="0"/>
+              <a:t> and </a:t>
+            </a:r>
+            <a:r>
+              <a:rPr lang="en-US" i="1" dirty="0" smtClean="0"/>
+              <a:t>understandable</a:t>
+            </a:r>
+            <a:r>
+              <a:rPr lang="en-US" dirty="0" smtClean="0"/>
+              <a:t> code.</a:t>
+            </a:r>
+            <a:endParaRPr lang="en-US" dirty="0"/>
+          </a:p>
+        </p:txBody>
+      </p:sp>
+    </p:spTree>
+    <p:extLst>
+      <p:ext uri="{BB962C8B-B14F-4D97-AF65-F5344CB8AC3E}">
+        <p14:creationId xmlns:p14="http://schemas.microsoft.com/office/powerpoint/2010/main" val="373156362"/>
+      </p:ext>
+    </p:extLst>
+  </p:cSld>
+  <p:clrMapOvr>
+    <a:masterClrMapping/>
+  </p:clrMapOvr>
+</p:sld>
+</file>
+
+<file path=ppt/slides/slide9.xml><?xml version="1.0" encoding="utf-8"?>
+<p:sld xmlns:a="http://schemas.openxmlformats.org/drawingml/2006/main" xmlns:r="http://schemas.openxmlformats.org/officeDocument/2006/relationships" xmlns:p="http://schemas.openxmlformats.org/presentationml/2006/main">
+  <p:cSld>
+    <p:spTree>
+      <p:nvGrpSpPr>
+        <p:cNvPr id="1" name=""/>
+        <p:cNvGrpSpPr/>
+        <p:nvPr/>
+      </p:nvGrpSpPr>
+      <p:grpSpPr>
+        <a:xfrm>
+          <a:off x="0" y="0"/>
+          <a:ext cx="0" cy="0"/>
+          <a:chOff x="0" y="0"/>
+          <a:chExt cx="0" cy="0"/>
+        </a:xfrm>
+      </p:grpSpPr>
+      <p:sp>
+        <p:nvSpPr>
+          <p:cNvPr id="2" name="Title 1"/>
+          <p:cNvSpPr>
+            <a:spLocks noGrp="1"/>
+          </p:cNvSpPr>
+          <p:nvPr>
+            <p:ph type="title"/>
+          </p:nvPr>
+        </p:nvSpPr>
+        <p:spPr/>
+        <p:txBody>
+          <a:bodyPr/>
+          <a:lstStyle/>
+          <a:p>
+            <a:r>
+              <a:rPr lang="en-US" dirty="0" smtClean="0"/>
               <a:t>Code readability</a:t>
             </a:r>
             <a:endParaRPr lang="en-US" dirty="0"/>
@@ -7106,15 +7263,7 @@
           <a:p>
             <a:r>
               <a:rPr lang="en-US" dirty="0" smtClean="0"/>
-              <a:t>Our </a:t>
-            </a:r>
-            <a:r>
-              <a:rPr lang="en-US" dirty="0" err="1" smtClean="0"/>
-              <a:t>phylosophy</a:t>
-            </a:r>
-            <a:r>
-              <a:rPr lang="en-US" dirty="0" smtClean="0"/>
-              <a:t> departs somewhat from traditional open-source: we firmly believe there is no logical reason people, in front of a “public” project, should “sink or swim”.</a:t>
+              <a:t>Our philosophy departs somewhat from open-source as traditionally intended in meteorology and atmospheric physics: we firmly believe there is no logical reason people, in front of a “public” project, should “sink or swim”.</a:t>
             </a:r>
           </a:p>
           <a:p>
@@ -7135,6 +7284,16 @@
             <a:r>
               <a:rPr lang="en-US" dirty="0" smtClean="0"/>
               <a:t> is “written for people” instead of “for the machine”.</a:t>
+            </a:r>
+          </a:p>
+          <a:p>
+            <a:r>
+              <a:rPr lang="en-US" dirty="0" smtClean="0"/>
+              <a:t>And, high value placed for code whose meaning is transparent, even if this may decrease efficiency to </a:t>
+            </a:r>
+            <a:r>
+              <a:rPr lang="en-US" smtClean="0"/>
+              <a:t>some extent.</a:t>
             </a:r>
             <a:endParaRPr lang="en-US" dirty="0"/>
           </a:p>
